--- a/Global.pptx
+++ b/Global.pptx
@@ -26,8 +26,8 @@
     <p:sldId id="296" r:id="rId20"/>
     <p:sldId id="281" r:id="rId21"/>
     <p:sldId id="285" r:id="rId22"/>
-    <p:sldId id="286" r:id="rId23"/>
-    <p:sldId id="290" r:id="rId24"/>
+    <p:sldId id="290" r:id="rId23"/>
+    <p:sldId id="286" r:id="rId24"/>
     <p:sldId id="297" r:id="rId25"/>
     <p:sldId id="298" r:id="rId26"/>
     <p:sldId id="299" r:id="rId27"/>
@@ -187,7 +187,6 @@
           </a:p>
         </c:rich>
       </c:tx>
-      <c:layout/>
       <c:overlay val="0"/>
       <c:spPr>
         <a:noFill/>
@@ -436,7 +435,6 @@
     </c:plotArea>
     <c:legend>
       <c:legendPos val="b"/>
-      <c:layout/>
       <c:overlay val="0"/>
       <c:spPr>
         <a:noFill/>
@@ -2148,7 +2146,7 @@
           <a:p>
             <a:fld id="{DDC2F860-4A3C-4406-AAB5-E30F3E959B8B}" type="datetimeFigureOut">
               <a:rPr lang="en-US" smtClean="0"/>
-              <a:t>1/16/2020</a:t>
+              <a:t>1/17/2020</a:t>
             </a:fld>
             <a:endParaRPr lang="en-US"/>
           </a:p>
@@ -2318,7 +2316,7 @@
           <a:p>
             <a:fld id="{DDC2F860-4A3C-4406-AAB5-E30F3E959B8B}" type="datetimeFigureOut">
               <a:rPr lang="en-US" smtClean="0"/>
-              <a:t>1/16/2020</a:t>
+              <a:t>1/17/2020</a:t>
             </a:fld>
             <a:endParaRPr lang="en-US"/>
           </a:p>
@@ -2498,7 +2496,7 @@
           <a:p>
             <a:fld id="{DDC2F860-4A3C-4406-AAB5-E30F3E959B8B}" type="datetimeFigureOut">
               <a:rPr lang="en-US" smtClean="0"/>
-              <a:t>1/16/2020</a:t>
+              <a:t>1/17/2020</a:t>
             </a:fld>
             <a:endParaRPr lang="en-US"/>
           </a:p>
@@ -2668,7 +2666,7 @@
           <a:p>
             <a:fld id="{DDC2F860-4A3C-4406-AAB5-E30F3E959B8B}" type="datetimeFigureOut">
               <a:rPr lang="en-US" smtClean="0"/>
-              <a:t>1/16/2020</a:t>
+              <a:t>1/17/2020</a:t>
             </a:fld>
             <a:endParaRPr lang="en-US"/>
           </a:p>
@@ -2914,7 +2912,7 @@
           <a:p>
             <a:fld id="{DDC2F860-4A3C-4406-AAB5-E30F3E959B8B}" type="datetimeFigureOut">
               <a:rPr lang="en-US" smtClean="0"/>
-              <a:t>1/16/2020</a:t>
+              <a:t>1/17/2020</a:t>
             </a:fld>
             <a:endParaRPr lang="en-US"/>
           </a:p>
@@ -3146,7 +3144,7 @@
           <a:p>
             <a:fld id="{DDC2F860-4A3C-4406-AAB5-E30F3E959B8B}" type="datetimeFigureOut">
               <a:rPr lang="en-US" smtClean="0"/>
-              <a:t>1/16/2020</a:t>
+              <a:t>1/17/2020</a:t>
             </a:fld>
             <a:endParaRPr lang="en-US"/>
           </a:p>
@@ -3513,7 +3511,7 @@
           <a:p>
             <a:fld id="{DDC2F860-4A3C-4406-AAB5-E30F3E959B8B}" type="datetimeFigureOut">
               <a:rPr lang="en-US" smtClean="0"/>
-              <a:t>1/16/2020</a:t>
+              <a:t>1/17/2020</a:t>
             </a:fld>
             <a:endParaRPr lang="en-US"/>
           </a:p>
@@ -3631,7 +3629,7 @@
           <a:p>
             <a:fld id="{DDC2F860-4A3C-4406-AAB5-E30F3E959B8B}" type="datetimeFigureOut">
               <a:rPr lang="en-US" smtClean="0"/>
-              <a:t>1/16/2020</a:t>
+              <a:t>1/17/2020</a:t>
             </a:fld>
             <a:endParaRPr lang="en-US"/>
           </a:p>
@@ -3726,7 +3724,7 @@
           <a:p>
             <a:fld id="{DDC2F860-4A3C-4406-AAB5-E30F3E959B8B}" type="datetimeFigureOut">
               <a:rPr lang="en-US" smtClean="0"/>
-              <a:t>1/16/2020</a:t>
+              <a:t>1/17/2020</a:t>
             </a:fld>
             <a:endParaRPr lang="en-US"/>
           </a:p>
@@ -4003,7 +4001,7 @@
           <a:p>
             <a:fld id="{DDC2F860-4A3C-4406-AAB5-E30F3E959B8B}" type="datetimeFigureOut">
               <a:rPr lang="en-US" smtClean="0"/>
-              <a:t>1/16/2020</a:t>
+              <a:t>1/17/2020</a:t>
             </a:fld>
             <a:endParaRPr lang="en-US"/>
           </a:p>
@@ -4256,7 +4254,7 @@
           <a:p>
             <a:fld id="{DDC2F860-4A3C-4406-AAB5-E30F3E959B8B}" type="datetimeFigureOut">
               <a:rPr lang="en-US" smtClean="0"/>
-              <a:t>1/16/2020</a:t>
+              <a:t>1/17/2020</a:t>
             </a:fld>
             <a:endParaRPr lang="en-US"/>
           </a:p>
@@ -4469,7 +4467,7 @@
           <a:p>
             <a:fld id="{DDC2F860-4A3C-4406-AAB5-E30F3E959B8B}" type="datetimeFigureOut">
               <a:rPr lang="en-US" smtClean="0"/>
-              <a:t>1/16/2020</a:t>
+              <a:t>1/17/2020</a:t>
             </a:fld>
             <a:endParaRPr lang="en-US"/>
           </a:p>
@@ -5405,7 +5403,6 @@
               <a:rPr lang="en-US" dirty="0"/>
               <a:t> by the government</a:t>
             </a:r>
-            <a:endParaRPr lang="en-US" dirty="0"/>
           </a:p>
         </p:txBody>
       </p:sp>
@@ -5452,7 +5449,6 @@
               <a:rPr lang="en-US" dirty="0"/>
               <a:t>Italy is one of the countries with the most vehicles per capita, with 690 per 1000 people</a:t>
             </a:r>
-            <a:endParaRPr lang="en-US" dirty="0"/>
           </a:p>
         </p:txBody>
       </p:sp>
@@ -5628,7 +5624,6 @@
               <a:rPr lang="en-US" dirty="0"/>
               <a:t>connect towns and villages at both sides of the lakes</a:t>
             </a:r>
-            <a:endParaRPr lang="en-US" dirty="0"/>
           </a:p>
         </p:txBody>
       </p:sp>
@@ -6347,7 +6342,21 @@
                 <a:latin typeface="Times New Roman" panose="02020603050405020304" pitchFamily="18" charset="0"/>
                 <a:cs typeface="Times New Roman" panose="02020603050405020304" pitchFamily="18" charset="0"/>
               </a:rPr>
-              <a:t>: Education &amp; Media-</a:t>
+              <a:t>: </a:t>
+            </a:r>
+            <a:r>
+              <a:rPr lang="en-US" sz="2400" b="1" dirty="0" smtClean="0">
+                <a:effectLst>
+                  <a:outerShdw blurRad="38100" dist="38100" dir="2700000" algn="tl">
+                    <a:srgbClr val="000000">
+                      <a:alpha val="43137"/>
+                    </a:srgbClr>
+                  </a:outerShdw>
+                </a:effectLst>
+                <a:latin typeface="Times New Roman" panose="02020603050405020304" pitchFamily="18" charset="0"/>
+                <a:cs typeface="Times New Roman" panose="02020603050405020304" pitchFamily="18" charset="0"/>
+              </a:rPr>
+              <a:t>Media &amp; Education-</a:t>
             </a:r>
             <a:endParaRPr lang="en-US" sz="2400" b="1" dirty="0">
               <a:effectLst>
@@ -6975,10 +6984,6 @@
               </a:rPr>
               <a:t>specialization school and 2nd Level vocational masters</a:t>
             </a:r>
-            <a:endParaRPr lang="en-US" dirty="0">
-              <a:latin typeface="Times New Roman" panose="02020603050405020304" pitchFamily="18" charset="0"/>
-              <a:cs typeface="Times New Roman" panose="02020603050405020304" pitchFamily="18" charset="0"/>
-            </a:endParaRPr>
           </a:p>
         </p:txBody>
       </p:sp>
@@ -7838,17 +7843,6 @@
               </a:rPr>
               <a:t>History &amp; Geography :</a:t>
             </a:r>
-            <a:endParaRPr lang="en-US" sz="2800" b="1" dirty="0">
-              <a:effectLst>
-                <a:outerShdw blurRad="38100" dist="38100" dir="2700000" algn="tl">
-                  <a:srgbClr val="000000">
-                    <a:alpha val="43137"/>
-                  </a:srgbClr>
-                </a:outerShdw>
-              </a:effectLst>
-              <a:latin typeface="Times New Roman" panose="02020603050405020304" pitchFamily="18" charset="0"/>
-              <a:cs typeface="Times New Roman" panose="02020603050405020304" pitchFamily="18" charset="0"/>
-            </a:endParaRPr>
           </a:p>
         </p:txBody>
       </p:sp>
@@ -8117,7 +8111,7 @@
         </p:nvSpPr>
         <p:spPr>
           <a:xfrm>
-            <a:off x="133004" y="3953120"/>
+            <a:off x="0" y="3924533"/>
             <a:ext cx="4256116" cy="1200329"/>
           </a:xfrm>
           <a:prstGeom prst="rect">
@@ -8135,19 +8129,7 @@
           <a:p>
             <a:r>
               <a:rPr lang="en-US" dirty="0"/>
-              <a:t>Highest </a:t>
-            </a:r>
-            <a:r>
-              <a:rPr lang="en-US" dirty="0"/>
-              <a:t>Point: </a:t>
-            </a:r>
-            <a:r>
-              <a:rPr lang="en-US" dirty="0"/>
-              <a:t>Mont Blanc </a:t>
-            </a:r>
-            <a:r>
-              <a:rPr lang="en-US" dirty="0"/>
-              <a:t>(4810m)</a:t>
+              <a:t>Highest Point: Mont Blanc (4810m)</a:t>
             </a:r>
           </a:p>
           <a:p>
@@ -8172,13 +8154,8 @@
             </a:r>
             <a:r>
               <a:rPr lang="en-US" dirty="0"/>
-              <a:t> (-3.44m</a:t>
-            </a:r>
-            <a:r>
-              <a:rPr lang="en-US" dirty="0"/>
-              <a:t>)</a:t>
-            </a:r>
-            <a:endParaRPr lang="en-US" dirty="0"/>
+              <a:t> (-3.44m)</a:t>
+            </a:r>
           </a:p>
         </p:txBody>
       </p:sp>
@@ -8222,26 +8199,13 @@
           <a:p>
             <a:r>
               <a:rPr lang="en-US" dirty="0"/>
-              <a:t>T</a:t>
-            </a:r>
+              <a:t>Total area: 301,340 km2 </a:t>
+            </a:r>
+          </a:p>
+          <a:p>
             <a:r>
               <a:rPr lang="en-US" dirty="0"/>
-              <a:t>otal area: 301,340</a:t>
-            </a:r>
-            <a:r>
-              <a:rPr lang="en-US" dirty="0"/>
-              <a:t> km2 </a:t>
-            </a:r>
-            <a:endParaRPr lang="en-US" dirty="0"/>
-          </a:p>
-          <a:p>
-            <a:r>
-              <a:rPr lang="en-US" dirty="0"/>
-              <a:t>(</a:t>
-            </a:r>
-            <a:r>
-              <a:rPr lang="en-US" dirty="0"/>
-              <a:t>i.e. 116,350 </a:t>
+              <a:t>(i.e. 116,350 </a:t>
             </a:r>
             <a:r>
               <a:rPr lang="en-US" dirty="0" err="1"/>
@@ -8251,27 +8215,14 @@
               <a:rPr lang="en-US" dirty="0"/>
               <a:t> mi), </a:t>
             </a:r>
+          </a:p>
+          <a:p>
             <a:endParaRPr lang="en-US" dirty="0"/>
           </a:p>
           <a:p>
-            <a:endParaRPr lang="en-US" dirty="0"/>
-          </a:p>
-          <a:p>
             <a:r>
               <a:rPr lang="en-US" dirty="0"/>
-              <a:t>Land: 294,140</a:t>
-            </a:r>
-            <a:r>
-              <a:rPr lang="en-US" dirty="0"/>
-              <a:t> </a:t>
-            </a:r>
-            <a:r>
-              <a:rPr lang="en-US" dirty="0"/>
-              <a:t>km2( i.e. 113,570</a:t>
-            </a:r>
-            <a:r>
-              <a:rPr lang="en-US" dirty="0"/>
-              <a:t> </a:t>
+              <a:t>Land: 294,140 km2( i.e. 113,570 </a:t>
             </a:r>
             <a:r>
               <a:rPr lang="en-US" dirty="0" err="1"/>
@@ -8279,32 +8230,16 @@
             </a:r>
             <a:r>
               <a:rPr lang="en-US" dirty="0"/>
-              <a:t> </a:t>
-            </a:r>
+              <a:t> mi)</a:t>
+            </a:r>
+          </a:p>
+          <a:p>
+            <a:endParaRPr lang="en-US" dirty="0"/>
+          </a:p>
+          <a:p>
             <a:r>
               <a:rPr lang="en-US" dirty="0"/>
-              <a:t>mi)</a:t>
-            </a:r>
-          </a:p>
-          <a:p>
-            <a:endParaRPr lang="en-US" dirty="0"/>
-          </a:p>
-          <a:p>
-            <a:r>
-              <a:rPr lang="en-US" dirty="0"/>
-              <a:t>Water :7,200</a:t>
-            </a:r>
-            <a:r>
-              <a:rPr lang="en-US" dirty="0"/>
-              <a:t> </a:t>
-            </a:r>
-            <a:r>
-              <a:rPr lang="en-US" dirty="0"/>
-              <a:t>km2(i.e</a:t>
-            </a:r>
-            <a:r>
-              <a:rPr lang="en-US" dirty="0"/>
-              <a:t>. 2,780 </a:t>
+              <a:t>Water :7,200 km2(i.e. 2,780 </a:t>
             </a:r>
             <a:r>
               <a:rPr lang="en-US" dirty="0" err="1"/>
@@ -8340,28 +8275,16 @@
           <a:p>
             <a:r>
               <a:rPr lang="en-US" dirty="0"/>
-              <a:t>Latitudes: </a:t>
-            </a:r>
+              <a:t>Latitudes: 35° and 48° N,</a:t>
+            </a:r>
+          </a:p>
+          <a:p>
+            <a:endParaRPr lang="en-US" dirty="0"/>
+          </a:p>
+          <a:p>
             <a:r>
               <a:rPr lang="en-US" dirty="0"/>
-              <a:t>35° and 48° N</a:t>
-            </a:r>
-            <a:r>
-              <a:rPr lang="en-US" dirty="0"/>
-              <a:t>,</a:t>
-            </a:r>
-          </a:p>
-          <a:p>
-            <a:endParaRPr lang="en-US" dirty="0"/>
-          </a:p>
-          <a:p>
-            <a:r>
-              <a:rPr lang="en-US" dirty="0"/>
-              <a:t>Longitudes:</a:t>
-            </a:r>
-            <a:r>
-              <a:rPr lang="en-US" dirty="0"/>
-              <a:t> 6° and 19° E. </a:t>
+              <a:t>Longitudes: 6° and 19° E. </a:t>
             </a:r>
           </a:p>
         </p:txBody>
@@ -8403,47 +8326,6 @@
           <a:chExt cx="0" cy="0"/>
         </a:xfrm>
       </p:grpSpPr>
-      <p:sp>
-        <p:nvSpPr>
-          <p:cNvPr id="15" name="Rectangular Callout 14"/>
-          <p:cNvSpPr/>
-          <p:nvPr/>
-        </p:nvSpPr>
-        <p:spPr>
-          <a:xfrm>
-            <a:off x="4306545" y="191193"/>
-            <a:ext cx="3477531" cy="1337936"/>
-          </a:xfrm>
-          <a:prstGeom prst="wedgeRectCallout">
-            <a:avLst>
-              <a:gd name="adj1" fmla="val 53155"/>
-              <a:gd name="adj2" fmla="val 36412"/>
-            </a:avLst>
-          </a:prstGeom>
-        </p:spPr>
-        <p:style>
-          <a:lnRef idx="2">
-            <a:schemeClr val="dk1"/>
-          </a:lnRef>
-          <a:fillRef idx="1">
-            <a:schemeClr val="lt1"/>
-          </a:fillRef>
-          <a:effectRef idx="0">
-            <a:schemeClr val="dk1"/>
-          </a:effectRef>
-          <a:fontRef idx="minor">
-            <a:schemeClr val="dk1"/>
-          </a:fontRef>
-        </p:style>
-        <p:txBody>
-          <a:bodyPr rtlCol="0" anchor="ctr"/>
-          <a:lstStyle/>
-          <a:p>
-            <a:pPr algn="ctr"/>
-            <a:endParaRPr lang="en-US"/>
-          </a:p>
-        </p:txBody>
-      </p:sp>
       <p:pic>
         <p:nvPicPr>
           <p:cNvPr id="4" name="Picture 3"/>
@@ -8520,7 +8402,7 @@
       </p:sp>
       <p:pic>
         <p:nvPicPr>
-          <p:cNvPr id="5" name="Picture 4"/>
+          <p:cNvPr id="7" name="Picture 6"/>
           <p:cNvPicPr>
             <a:picLocks noChangeAspect="1"/>
           </p:cNvPicPr>
@@ -8534,8 +8416,8 @@
         </p:blipFill>
         <p:spPr>
           <a:xfrm>
-            <a:off x="7972423" y="0"/>
-            <a:ext cx="4219578" cy="2470231"/>
+            <a:off x="5345256" y="220627"/>
+            <a:ext cx="3790948" cy="2647950"/>
           </a:xfrm>
           <a:prstGeom prst="rect">
             <a:avLst/>
@@ -8544,7 +8426,7 @@
       </p:pic>
       <p:pic>
         <p:nvPicPr>
-          <p:cNvPr id="7" name="Picture 6"/>
+          <p:cNvPr id="9" name="Picture 8"/>
           <p:cNvPicPr>
             <a:picLocks noChangeAspect="1"/>
           </p:cNvPicPr>
@@ -8558,31 +8440,7 @@
         </p:blipFill>
         <p:spPr>
           <a:xfrm>
-            <a:off x="4181475" y="1630970"/>
-            <a:ext cx="3790948" cy="2647950"/>
-          </a:xfrm>
-          <a:prstGeom prst="rect">
-            <a:avLst/>
-          </a:prstGeom>
-        </p:spPr>
-      </p:pic>
-      <p:pic>
-        <p:nvPicPr>
-          <p:cNvPr id="9" name="Picture 8"/>
-          <p:cNvPicPr>
-            <a:picLocks noChangeAspect="1"/>
-          </p:cNvPicPr>
-          <p:nvPr/>
-        </p:nvPicPr>
-        <p:blipFill>
-          <a:blip r:embed="rId5"/>
-          <a:stretch>
-            <a:fillRect/>
-          </a:stretch>
-        </p:blipFill>
-        <p:spPr>
-          <a:xfrm>
-            <a:off x="0" y="3442653"/>
+            <a:off x="674129" y="3332018"/>
             <a:ext cx="4181475" cy="2362200"/>
           </a:xfrm>
           <a:prstGeom prst="rect">
@@ -8598,9 +8456,9 @@
         </p:nvGrpSpPr>
         <p:grpSpPr>
           <a:xfrm>
-            <a:off x="122395" y="1452270"/>
+            <a:off x="764771" y="1433187"/>
             <a:ext cx="3995803" cy="1502675"/>
-            <a:chOff x="4014721" y="4300519"/>
+            <a:chOff x="4657097" y="4281436"/>
             <a:chExt cx="3995803" cy="1502675"/>
           </a:xfrm>
         </p:grpSpPr>
@@ -8612,7 +8470,7 @@
           </p:nvSpPr>
           <p:spPr>
             <a:xfrm>
-              <a:off x="4014721" y="4300519"/>
+              <a:off x="4657097" y="4281436"/>
               <a:ext cx="3898668" cy="1502675"/>
             </a:xfrm>
             <a:prstGeom prst="wedgeRectCallout">
@@ -8653,7 +8511,7 @@
           </p:nvSpPr>
           <p:spPr>
             <a:xfrm>
-              <a:off x="4014721" y="4392851"/>
+              <a:off x="4657097" y="4405694"/>
               <a:ext cx="3995803" cy="1200329"/>
             </a:xfrm>
             <a:prstGeom prst="rect">
@@ -8770,8 +8628,8 @@
             </a:xfrm>
             <a:prstGeom prst="wedgeRectCallout">
               <a:avLst>
-                <a:gd name="adj1" fmla="val -57783"/>
-                <a:gd name="adj2" fmla="val -5370"/>
+                <a:gd name="adj1" fmla="val -59119"/>
+                <a:gd name="adj2" fmla="val -38632"/>
               </a:avLst>
             </a:prstGeom>
           </p:spPr>
@@ -8846,52 +8704,6 @@
           </p:txBody>
         </p:sp>
       </p:grpSp>
-      <p:sp>
-        <p:nvSpPr>
-          <p:cNvPr id="13" name="Rectangle 12"/>
-          <p:cNvSpPr/>
-          <p:nvPr/>
-        </p:nvSpPr>
-        <p:spPr>
-          <a:xfrm>
-            <a:off x="4403529" y="311785"/>
-            <a:ext cx="3474721" cy="923330"/>
-          </a:xfrm>
-          <a:prstGeom prst="rect">
-            <a:avLst/>
-          </a:prstGeom>
-        </p:spPr>
-        <p:txBody>
-          <a:bodyPr wrap="square">
-            <a:spAutoFit/>
-          </a:bodyPr>
-          <a:lstStyle/>
-          <a:p>
-            <a:r>
-              <a:rPr lang="en-US" dirty="0" smtClean="0">
-                <a:latin typeface="Arial" panose="020B0604020202020204" pitchFamily="34" charset="0"/>
-              </a:rPr>
-              <a:t>Mont Blanc(Monte </a:t>
-            </a:r>
-            <a:r>
-              <a:rPr lang="en-US" dirty="0">
-                <a:latin typeface="Arial" panose="020B0604020202020204" pitchFamily="34" charset="0"/>
-              </a:rPr>
-              <a:t>Bianco), the highest mountain </a:t>
-            </a:r>
-            <a:r>
-              <a:rPr lang="en-US" dirty="0">
-                <a:latin typeface="Arial" panose="020B0604020202020204" pitchFamily="34" charset="0"/>
-              </a:rPr>
-              <a:t>in Italy and Western Europe.</a:t>
-            </a:r>
-            <a:r>
-              <a:rPr lang="en-US" dirty="0"/>
-              <a:t> </a:t>
-            </a:r>
-          </a:p>
-        </p:txBody>
-      </p:sp>
     </p:spTree>
     <p:extLst>
       <p:ext uri="{BB962C8B-B14F-4D97-AF65-F5344CB8AC3E}">
@@ -8955,19 +8767,19 @@
       </p:pic>
       <p:sp>
         <p:nvSpPr>
-          <p:cNvPr id="17" name="Rectangular Callout 16"/>
+          <p:cNvPr id="16" name="Rectangular Callout 15"/>
           <p:cNvSpPr/>
           <p:nvPr/>
         </p:nvSpPr>
         <p:spPr>
           <a:xfrm>
-            <a:off x="8196350" y="15640"/>
-            <a:ext cx="3898668" cy="1754326"/>
+            <a:off x="4538899" y="621319"/>
+            <a:ext cx="3610989" cy="1775829"/>
           </a:xfrm>
           <a:prstGeom prst="wedgeRectCallout">
             <a:avLst>
-              <a:gd name="adj1" fmla="val -51323"/>
-              <a:gd name="adj2" fmla="val 61999"/>
+              <a:gd name="adj1" fmla="val 40792"/>
+              <a:gd name="adj2" fmla="val 65298"/>
             </a:avLst>
           </a:prstGeom>
         </p:spPr>
@@ -8996,19 +8808,19 @@
       </p:sp>
       <p:sp>
         <p:nvSpPr>
-          <p:cNvPr id="16" name="Rectangular Callout 15"/>
+          <p:cNvPr id="14" name="Rectangular Callout 13"/>
           <p:cNvSpPr/>
           <p:nvPr/>
         </p:nvSpPr>
         <p:spPr>
           <a:xfrm>
-            <a:off x="142224" y="4384733"/>
-            <a:ext cx="3610989" cy="1775829"/>
+            <a:off x="552623" y="3757895"/>
+            <a:ext cx="4251104" cy="1500590"/>
           </a:xfrm>
           <a:prstGeom prst="wedgeRectCallout">
             <a:avLst>
-              <a:gd name="adj1" fmla="val 54374"/>
-              <a:gd name="adj2" fmla="val -5386"/>
+              <a:gd name="adj1" fmla="val -40960"/>
+              <a:gd name="adj2" fmla="val -69040"/>
             </a:avLst>
           </a:prstGeom>
         </p:spPr>
@@ -9035,47 +8847,6 @@
           </a:p>
         </p:txBody>
       </p:sp>
-      <p:sp>
-        <p:nvSpPr>
-          <p:cNvPr id="14" name="Rectangular Callout 13"/>
-          <p:cNvSpPr/>
-          <p:nvPr/>
-        </p:nvSpPr>
-        <p:spPr>
-          <a:xfrm>
-            <a:off x="54924" y="167116"/>
-            <a:ext cx="4251104" cy="1500590"/>
-          </a:xfrm>
-          <a:prstGeom prst="wedgeRectCallout">
-            <a:avLst>
-              <a:gd name="adj1" fmla="val -1851"/>
-              <a:gd name="adj2" fmla="val 63358"/>
-            </a:avLst>
-          </a:prstGeom>
-        </p:spPr>
-        <p:style>
-          <a:lnRef idx="2">
-            <a:schemeClr val="dk1"/>
-          </a:lnRef>
-          <a:fillRef idx="1">
-            <a:schemeClr val="lt1"/>
-          </a:fillRef>
-          <a:effectRef idx="0">
-            <a:schemeClr val="dk1"/>
-          </a:effectRef>
-          <a:fontRef idx="minor">
-            <a:schemeClr val="dk1"/>
-          </a:fontRef>
-        </p:style>
-        <p:txBody>
-          <a:bodyPr rtlCol="0" anchor="ctr"/>
-          <a:lstStyle/>
-          <a:p>
-            <a:pPr algn="ctr"/>
-            <a:endParaRPr lang="en-US"/>
-          </a:p>
-        </p:txBody>
-      </p:sp>
       <p:pic>
         <p:nvPicPr>
           <p:cNvPr id="3" name="Picture 2"/>
@@ -9092,7 +8863,7 @@
         </p:blipFill>
         <p:spPr>
           <a:xfrm>
-            <a:off x="8513527" y="2140244"/>
+            <a:off x="8593884" y="167115"/>
             <a:ext cx="3581491" cy="2407028"/>
           </a:xfrm>
           <a:prstGeom prst="rect">
@@ -9116,32 +8887,8 @@
         </p:blipFill>
         <p:spPr>
           <a:xfrm>
-            <a:off x="142224" y="1924831"/>
+            <a:off x="377257" y="1096570"/>
             <a:ext cx="3488575" cy="2307128"/>
-          </a:xfrm>
-          <a:prstGeom prst="rect">
-            <a:avLst/>
-          </a:prstGeom>
-        </p:spPr>
-      </p:pic>
-      <p:pic>
-        <p:nvPicPr>
-          <p:cNvPr id="6" name="Picture 5"/>
-          <p:cNvPicPr>
-            <a:picLocks noChangeAspect="1"/>
-          </p:cNvPicPr>
-          <p:nvPr/>
-        </p:nvPicPr>
-        <p:blipFill>
-          <a:blip r:embed="rId5"/>
-          <a:stretch>
-            <a:fillRect/>
-          </a:stretch>
-        </p:blipFill>
-        <p:spPr>
-          <a:xfrm>
-            <a:off x="4484734" y="134186"/>
-            <a:ext cx="3532910" cy="2414733"/>
           </a:xfrm>
           <a:prstGeom prst="rect">
             <a:avLst/>
@@ -9156,9 +8903,9 @@
         </p:nvGrpSpPr>
         <p:grpSpPr>
           <a:xfrm>
-            <a:off x="7046082" y="4659474"/>
+            <a:off x="9032255" y="3120160"/>
             <a:ext cx="2704748" cy="1226347"/>
-            <a:chOff x="9106983" y="1732297"/>
+            <a:chOff x="11646360" y="-353454"/>
             <a:chExt cx="3458095" cy="1661685"/>
           </a:xfrm>
         </p:grpSpPr>
@@ -9170,7 +8917,7 @@
           </p:nvSpPr>
           <p:spPr>
             <a:xfrm>
-              <a:off x="9106983" y="1732297"/>
+              <a:off x="11646360" y="-353454"/>
               <a:ext cx="3458095" cy="1661685"/>
             </a:xfrm>
             <a:prstGeom prst="wedgeRectCallout">
@@ -9211,8 +8958,8 @@
           </p:nvSpPr>
           <p:spPr>
             <a:xfrm>
-              <a:off x="9269248" y="1930460"/>
-              <a:ext cx="3133566" cy="1200329"/>
+              <a:off x="11970890" y="-122777"/>
+              <a:ext cx="3133565" cy="1200329"/>
             </a:xfrm>
             <a:prstGeom prst="rect">
               <a:avLst/>
@@ -9283,7 +9030,7 @@
         </p:nvSpPr>
         <p:spPr>
           <a:xfrm>
-            <a:off x="230384" y="4407996"/>
+            <a:off x="4511438" y="617393"/>
             <a:ext cx="3665913" cy="1754326"/>
           </a:xfrm>
           <a:prstGeom prst="rect">
@@ -9398,7 +9145,7 @@
         </p:nvSpPr>
         <p:spPr>
           <a:xfrm>
-            <a:off x="54924" y="167115"/>
+            <a:off x="552623" y="3769526"/>
             <a:ext cx="4342510" cy="1477328"/>
           </a:xfrm>
           <a:prstGeom prst="rect">
@@ -9487,14 +9234,14 @@
           <p:nvPr/>
         </p:nvPicPr>
         <p:blipFill>
-          <a:blip r:embed="rId6"/>
+          <a:blip r:embed="rId5"/>
           <a:stretch>
             <a:fillRect/>
           </a:stretch>
         </p:blipFill>
         <p:spPr>
           <a:xfrm>
-            <a:off x="4161796" y="2691418"/>
+            <a:off x="5818386" y="2727405"/>
             <a:ext cx="2775498" cy="3433157"/>
           </a:xfrm>
           <a:prstGeom prst="rect">
@@ -9502,61 +9249,6 @@
           </a:prstGeom>
         </p:spPr>
       </p:pic>
-      <p:sp>
-        <p:nvSpPr>
-          <p:cNvPr id="11" name="Rectangle 10"/>
-          <p:cNvSpPr/>
-          <p:nvPr/>
-        </p:nvSpPr>
-        <p:spPr>
-          <a:xfrm>
-            <a:off x="8196350" y="15640"/>
-            <a:ext cx="3611840" cy="1754326"/>
-          </a:xfrm>
-          <a:prstGeom prst="rect">
-            <a:avLst/>
-          </a:prstGeom>
-        </p:spPr>
-        <p:txBody>
-          <a:bodyPr wrap="square">
-            <a:spAutoFit/>
-          </a:bodyPr>
-          <a:lstStyle/>
-          <a:p>
-            <a:r>
-              <a:rPr lang="en-US" b="1" dirty="0">
-                <a:solidFill>
-                  <a:srgbClr val="333333"/>
-                </a:solidFill>
-                <a:latin typeface="Arial" panose="020B0604020202020204" pitchFamily="34" charset="0"/>
-              </a:rPr>
-              <a:t>The Blue Grotto </a:t>
-            </a:r>
-            <a:r>
-              <a:rPr lang="en-US" dirty="0">
-                <a:solidFill>
-                  <a:srgbClr val="333333"/>
-                </a:solidFill>
-                <a:latin typeface="Arial" panose="020B0604020202020204" pitchFamily="34" charset="0"/>
-              </a:rPr>
-              <a:t>is only one of the sea caves that cut its cliffs, and the best way to see these, along with the three signature rocks off the south coast known as the </a:t>
-            </a:r>
-            <a:r>
-              <a:rPr lang="en-US" dirty="0" err="1">
-                <a:solidFill>
-                  <a:srgbClr val="333333"/>
-                </a:solidFill>
-                <a:latin typeface="Arial" panose="020B0604020202020204" pitchFamily="34" charset="0"/>
-              </a:rPr>
-              <a:t>Faraglioni</a:t>
-            </a:r>
-            <a:r>
-              <a:rPr lang="en-US" dirty="0"/>
-              <a:t>  </a:t>
-            </a:r>
-          </a:p>
-        </p:txBody>
-      </p:sp>
     </p:spTree>
     <p:extLst>
       <p:ext uri="{BB962C8B-B14F-4D97-AF65-F5344CB8AC3E}">
@@ -9610,7 +9302,7 @@
         </p:blipFill>
         <p:spPr>
           <a:xfrm>
-            <a:off x="66502" y="5437235"/>
+            <a:off x="0" y="5391150"/>
             <a:ext cx="12192000" cy="1466850"/>
           </a:xfrm>
           <a:prstGeom prst="rect">
@@ -9620,177 +9312,48 @@
       </p:pic>
       <p:sp>
         <p:nvSpPr>
-          <p:cNvPr id="5" name="TextBox 4"/>
-          <p:cNvSpPr txBox="1"/>
-          <p:nvPr/>
-        </p:nvSpPr>
-        <p:spPr>
-          <a:xfrm>
-            <a:off x="706582" y="324197"/>
-            <a:ext cx="4383426" cy="461665"/>
-          </a:xfrm>
-          <a:prstGeom prst="rect">
-            <a:avLst/>
-          </a:prstGeom>
-          <a:noFill/>
-        </p:spPr>
-        <p:txBody>
-          <a:bodyPr wrap="square" rtlCol="0">
-            <a:spAutoFit/>
-          </a:bodyPr>
-          <a:lstStyle/>
-          <a:p>
-            <a:r>
-              <a:rPr lang="en-US" sz="2400" b="1" dirty="0" smtClean="0">
-                <a:effectLst>
-                  <a:outerShdw blurRad="38100" dist="38100" dir="2700000" algn="tl">
-                    <a:srgbClr val="000000">
-                      <a:alpha val="43137"/>
-                    </a:srgbClr>
-                  </a:outerShdw>
-                </a:effectLst>
-                <a:latin typeface="Times New Roman" panose="02020603050405020304" pitchFamily="18" charset="0"/>
-                <a:cs typeface="Times New Roman" panose="02020603050405020304" pitchFamily="18" charset="0"/>
-              </a:rPr>
-              <a:t>Interesting Facts:</a:t>
-            </a:r>
-            <a:endParaRPr lang="en-US" sz="2400" b="1" dirty="0">
-              <a:effectLst>
-                <a:outerShdw blurRad="38100" dist="38100" dir="2700000" algn="tl">
-                  <a:srgbClr val="000000">
-                    <a:alpha val="43137"/>
-                  </a:srgbClr>
-                </a:outerShdw>
-              </a:effectLst>
-              <a:latin typeface="Times New Roman" panose="02020603050405020304" pitchFamily="18" charset="0"/>
-              <a:cs typeface="Times New Roman" panose="02020603050405020304" pitchFamily="18" charset="0"/>
-            </a:endParaRPr>
-          </a:p>
-        </p:txBody>
-      </p:sp>
-      <p:sp>
-        <p:nvSpPr>
-          <p:cNvPr id="2" name="Rectangle 1"/>
+          <p:cNvPr id="3" name="Rectangular Callout 2"/>
           <p:cNvSpPr/>
           <p:nvPr/>
         </p:nvSpPr>
         <p:spPr>
           <a:xfrm>
-            <a:off x="399011" y="1083458"/>
-            <a:ext cx="6533804" cy="2308324"/>
-          </a:xfrm>
-          <a:prstGeom prst="rect">
-            <a:avLst/>
+            <a:off x="4306545" y="191193"/>
+            <a:ext cx="3477531" cy="1337936"/>
+          </a:xfrm>
+          <a:prstGeom prst="wedgeRectCallout">
+            <a:avLst>
+              <a:gd name="adj1" fmla="val 53155"/>
+              <a:gd name="adj2" fmla="val 36412"/>
+            </a:avLst>
           </a:prstGeom>
         </p:spPr>
+        <p:style>
+          <a:lnRef idx="2">
+            <a:schemeClr val="dk1"/>
+          </a:lnRef>
+          <a:fillRef idx="1">
+            <a:schemeClr val="lt1"/>
+          </a:fillRef>
+          <a:effectRef idx="0">
+            <a:schemeClr val="dk1"/>
+          </a:effectRef>
+          <a:fontRef idx="minor">
+            <a:schemeClr val="dk1"/>
+          </a:fontRef>
+        </p:style>
         <p:txBody>
-          <a:bodyPr wrap="square">
-            <a:spAutoFit/>
-          </a:bodyPr>
+          <a:bodyPr rtlCol="0" anchor="ctr"/>
           <a:lstStyle/>
           <a:p>
-            <a:pPr marL="285750" indent="-285750">
-              <a:buFont typeface="Arial" panose="020B0604020202020204" pitchFamily="34" charset="0"/>
-              <a:buChar char="•"/>
-            </a:pPr>
-            <a:r>
-              <a:rPr lang="en-US" dirty="0"/>
-              <a:t>Italy is the 5</a:t>
-            </a:r>
-            <a:r>
-              <a:rPr lang="en-US" baseline="30000" dirty="0"/>
-              <a:t>th</a:t>
-            </a:r>
-            <a:r>
-              <a:rPr lang="en-US" dirty="0"/>
-              <a:t> most </a:t>
-            </a:r>
-            <a:r>
-              <a:rPr lang="en-US" dirty="0" smtClean="0"/>
-              <a:t>populous and most visited </a:t>
-            </a:r>
-            <a:r>
-              <a:rPr lang="en-US" dirty="0"/>
-              <a:t>country in </a:t>
-            </a:r>
-            <a:r>
-              <a:rPr lang="en-US" dirty="0" smtClean="0"/>
-              <a:t>Europe.  Italy attracts 46million foreign visitors in a year.</a:t>
-            </a:r>
-          </a:p>
-          <a:p>
-            <a:pPr marL="285750" indent="-285750">
-              <a:buFont typeface="Arial" panose="020B0604020202020204" pitchFamily="34" charset="0"/>
-              <a:buChar char="•"/>
-            </a:pPr>
-            <a:r>
-              <a:rPr lang="en-US" dirty="0" smtClean="0"/>
-              <a:t>Rome the capital city of Italy is around 3000years old.</a:t>
-            </a:r>
-          </a:p>
-          <a:p>
-            <a:pPr marL="285750" indent="-285750">
-              <a:buFont typeface="Arial" panose="020B0604020202020204" pitchFamily="34" charset="0"/>
-              <a:buChar char="•"/>
-            </a:pPr>
-            <a:r>
-              <a:rPr lang="en-US" dirty="0" smtClean="0"/>
-              <a:t>Italy is the birth </a:t>
-            </a:r>
-            <a:r>
-              <a:rPr lang="en-US" dirty="0"/>
-              <a:t>place </a:t>
-            </a:r>
-            <a:r>
-              <a:rPr lang="en-US" dirty="0" smtClean="0"/>
-              <a:t>of most beloved food dish called pizza &amp; </a:t>
-            </a:r>
-            <a:r>
-              <a:rPr lang="en-US" dirty="0"/>
-              <a:t>pasta</a:t>
-            </a:r>
-          </a:p>
-          <a:p>
-            <a:pPr marL="285750" indent="-285750">
-              <a:buFont typeface="Arial" panose="020B0604020202020204" pitchFamily="34" charset="0"/>
-              <a:buChar char="•"/>
-            </a:pPr>
-            <a:r>
-              <a:rPr lang="en-US" dirty="0" smtClean="0"/>
-              <a:t>Sonia Gandhi belonged to Italy.</a:t>
-            </a:r>
-          </a:p>
-          <a:p>
-            <a:pPr marL="285750" indent="-285750">
-              <a:buFont typeface="Arial" panose="020B0604020202020204" pitchFamily="34" charset="0"/>
-              <a:buChar char="•"/>
-            </a:pPr>
-            <a:r>
-              <a:rPr lang="en-US" dirty="0" smtClean="0"/>
-              <a:t>There are in total 14 volcanos, 3 of them Etna, </a:t>
-            </a:r>
-            <a:r>
-              <a:rPr lang="en-US" dirty="0" err="1" smtClean="0"/>
-              <a:t>stromboli</a:t>
-            </a:r>
-            <a:r>
-              <a:rPr lang="en-US" dirty="0"/>
-              <a:t>, </a:t>
-            </a:r>
-            <a:r>
-              <a:rPr lang="en-US" dirty="0" err="1" smtClean="0"/>
-              <a:t>vesuvious</a:t>
-            </a:r>
-            <a:r>
-              <a:rPr lang="en-US" dirty="0" smtClean="0"/>
-              <a:t> are active volcanos </a:t>
-            </a:r>
+            <a:pPr algn="ctr"/>
+            <a:endParaRPr lang="en-US"/>
           </a:p>
         </p:txBody>
       </p:sp>
       <p:pic>
         <p:nvPicPr>
-          <p:cNvPr id="6" name="Picture 5"/>
+          <p:cNvPr id="5" name="Picture 4"/>
           <p:cNvPicPr>
             <a:picLocks noChangeAspect="1"/>
           </p:cNvPicPr>
@@ -9804,17 +9367,98 @@
         </p:blipFill>
         <p:spPr>
           <a:xfrm>
-            <a:off x="399011" y="3668781"/>
-            <a:ext cx="3084022" cy="2138005"/>
+            <a:off x="7972423" y="0"/>
+            <a:ext cx="4219578" cy="2470231"/>
           </a:xfrm>
           <a:prstGeom prst="rect">
             <a:avLst/>
           </a:prstGeom>
         </p:spPr>
       </p:pic>
+      <p:sp>
+        <p:nvSpPr>
+          <p:cNvPr id="6" name="Rectangle 5"/>
+          <p:cNvSpPr/>
+          <p:nvPr/>
+        </p:nvSpPr>
+        <p:spPr>
+          <a:xfrm>
+            <a:off x="4403529" y="311785"/>
+            <a:ext cx="3474721" cy="923330"/>
+          </a:xfrm>
+          <a:prstGeom prst="rect">
+            <a:avLst/>
+          </a:prstGeom>
+        </p:spPr>
+        <p:txBody>
+          <a:bodyPr wrap="square">
+            <a:spAutoFit/>
+          </a:bodyPr>
+          <a:lstStyle/>
+          <a:p>
+            <a:r>
+              <a:rPr lang="en-US" dirty="0" smtClean="0">
+                <a:latin typeface="Arial" panose="020B0604020202020204" pitchFamily="34" charset="0"/>
+              </a:rPr>
+              <a:t>Mont Blanc(Monte </a:t>
+            </a:r>
+            <a:r>
+              <a:rPr lang="en-US" dirty="0">
+                <a:latin typeface="Arial" panose="020B0604020202020204" pitchFamily="34" charset="0"/>
+              </a:rPr>
+              <a:t>Bianco), the highest mountain in Italy and Western Europe.</a:t>
+            </a:r>
+            <a:r>
+              <a:rPr lang="en-US" dirty="0"/>
+              <a:t> </a:t>
+            </a:r>
+          </a:p>
+        </p:txBody>
+      </p:sp>
+      <p:sp>
+        <p:nvSpPr>
+          <p:cNvPr id="10" name="Rectangular Callout 9"/>
+          <p:cNvSpPr/>
+          <p:nvPr/>
+        </p:nvSpPr>
+        <p:spPr>
+          <a:xfrm>
+            <a:off x="4306545" y="3387131"/>
+            <a:ext cx="3898668" cy="1754326"/>
+          </a:xfrm>
+          <a:prstGeom prst="wedgeRectCallout">
+            <a:avLst>
+              <a:gd name="adj1" fmla="val -56440"/>
+              <a:gd name="adj2" fmla="val -42720"/>
+            </a:avLst>
+          </a:prstGeom>
+        </p:spPr>
+        <p:style>
+          <a:lnRef idx="2">
+            <a:schemeClr val="dk1"/>
+          </a:lnRef>
+          <a:fillRef idx="1">
+            <a:schemeClr val="lt1"/>
+          </a:fillRef>
+          <a:effectRef idx="0">
+            <a:schemeClr val="dk1"/>
+          </a:effectRef>
+          <a:fontRef idx="minor">
+            <a:schemeClr val="dk1"/>
+          </a:fontRef>
+        </p:style>
+        <p:txBody>
+          <a:bodyPr rtlCol="0" anchor="ctr"/>
+          <a:lstStyle/>
+          <a:p>
+            <a:pPr algn="ctr"/>
+            <a:endParaRPr lang="en-US"/>
+          </a:p>
+        </p:txBody>
+      </p:sp>
       <p:pic>
         <p:nvPicPr>
-          <p:cNvPr id="7" name="Picture 6"/>
+          <p:cNvPr id="11" name="Picture 10"/>
           <p:cNvPicPr>
             <a:picLocks noChangeAspect="1"/>
           </p:cNvPicPr>
@@ -9828,8 +9472,8 @@
         </p:blipFill>
         <p:spPr>
           <a:xfrm>
-            <a:off x="7173884" y="151233"/>
-            <a:ext cx="4814540" cy="2737680"/>
+            <a:off x="236110" y="2887326"/>
+            <a:ext cx="3532910" cy="2414733"/>
           </a:xfrm>
           <a:prstGeom prst="rect">
             <a:avLst/>
@@ -9838,14 +9482,14 @@
       </p:pic>
       <p:sp>
         <p:nvSpPr>
-          <p:cNvPr id="8" name="Rectangle 7"/>
+          <p:cNvPr id="12" name="Rectangle 11"/>
           <p:cNvSpPr/>
           <p:nvPr/>
         </p:nvSpPr>
         <p:spPr>
           <a:xfrm>
-            <a:off x="5090008" y="3620554"/>
-            <a:ext cx="7021635" cy="2031325"/>
+            <a:off x="4449959" y="3387131"/>
+            <a:ext cx="3611840" cy="1754326"/>
           </a:xfrm>
           <a:prstGeom prst="rect">
             <a:avLst/>
@@ -9857,76 +9501,44 @@
           </a:bodyPr>
           <a:lstStyle/>
           <a:p>
-            <a:pPr marL="285750" indent="-285750">
-              <a:buFont typeface="Arial" panose="020B0604020202020204" pitchFamily="34" charset="0"/>
-              <a:buChar char="•"/>
-            </a:pPr>
+            <a:r>
+              <a:rPr lang="en-US" b="1" dirty="0">
+                <a:solidFill>
+                  <a:srgbClr val="333333"/>
+                </a:solidFill>
+                <a:latin typeface="Arial" panose="020B0604020202020204" pitchFamily="34" charset="0"/>
+              </a:rPr>
+              <a:t>The Blue Grotto </a:t>
+            </a:r>
+            <a:r>
+              <a:rPr lang="en-US" dirty="0">
+                <a:solidFill>
+                  <a:srgbClr val="333333"/>
+                </a:solidFill>
+                <a:latin typeface="Arial" panose="020B0604020202020204" pitchFamily="34" charset="0"/>
+              </a:rPr>
+              <a:t>is only one of the sea caves that cut its cliffs, and the best way to see these, along with the three signature rocks off the south coast known as the </a:t>
+            </a:r>
+            <a:r>
+              <a:rPr lang="en-US" dirty="0" err="1">
+                <a:solidFill>
+                  <a:srgbClr val="333333"/>
+                </a:solidFill>
+                <a:latin typeface="Arial" panose="020B0604020202020204" pitchFamily="34" charset="0"/>
+              </a:rPr>
+              <a:t>Faraglioni</a:t>
+            </a:r>
             <a:r>
               <a:rPr lang="en-US" dirty="0"/>
-              <a:t>Italy's last king ruled for just 36 </a:t>
-            </a:r>
-            <a:r>
-              <a:rPr lang="en-US" dirty="0" smtClean="0"/>
-              <a:t>days</a:t>
-            </a:r>
-          </a:p>
-          <a:p>
-            <a:pPr marL="285750" indent="-285750">
-              <a:buFont typeface="Arial" panose="020B0604020202020204" pitchFamily="34" charset="0"/>
-              <a:buChar char="•"/>
-            </a:pPr>
-            <a:r>
-              <a:rPr lang="en-US" dirty="0" smtClean="0"/>
-              <a:t>Well-known</a:t>
-            </a:r>
-            <a:r>
-              <a:rPr lang="en-US" dirty="0"/>
-              <a:t> artists and authors Dante, Da Vinci, and Michelangelo are from Italy</a:t>
-            </a:r>
-          </a:p>
-          <a:p>
-            <a:pPr marL="285750" indent="-285750">
-              <a:buFont typeface="Arial" panose="020B0604020202020204" pitchFamily="34" charset="0"/>
-              <a:buChar char="•"/>
-            </a:pPr>
-            <a:r>
-              <a:rPr lang="en-US" dirty="0"/>
-              <a:t>In 2012, the town of </a:t>
-            </a:r>
-            <a:r>
-              <a:rPr lang="en-US" dirty="0" err="1"/>
-              <a:t>Falciano</a:t>
-            </a:r>
-            <a:r>
-              <a:rPr lang="en-US" dirty="0"/>
-              <a:t> del </a:t>
-            </a:r>
-            <a:r>
-              <a:rPr lang="en-US" dirty="0" err="1"/>
-              <a:t>Massico</a:t>
-            </a:r>
-            <a:r>
-              <a:rPr lang="en-US" dirty="0"/>
-              <a:t> in Campania it was made illegal for residents to die because it’s town’s cemetery was full.</a:t>
-            </a:r>
-          </a:p>
-          <a:p>
-            <a:pPr marL="285750" indent="-285750">
-              <a:buFont typeface="Arial" panose="020B0604020202020204" pitchFamily="34" charset="0"/>
-              <a:buChar char="•"/>
-            </a:pPr>
-            <a:r>
-              <a:rPr lang="en-US" dirty="0"/>
-              <a:t>World’s most Fashion designers such as Armani, Versace,  Prada, hail from Italy.</a:t>
-            </a:r>
-            <a:endParaRPr lang="en-US" dirty="0"/>
+              <a:t>  </a:t>
+            </a:r>
           </a:p>
         </p:txBody>
       </p:sp>
     </p:spTree>
     <p:extLst>
       <p:ext uri="{BB962C8B-B14F-4D97-AF65-F5344CB8AC3E}">
-        <p14:creationId xmlns:p14="http://schemas.microsoft.com/office/powerpoint/2010/main" val="260442988"/>
+        <p14:creationId xmlns:p14="http://schemas.microsoft.com/office/powerpoint/2010/main" val="2954705380"/>
       </p:ext>
     </p:extLst>
   </p:cSld>
@@ -9976,7 +9588,7 @@
         </p:blipFill>
         <p:spPr>
           <a:xfrm>
-            <a:off x="0" y="5391150"/>
+            <a:off x="66502" y="5437235"/>
             <a:ext cx="12192000" cy="1466850"/>
           </a:xfrm>
           <a:prstGeom prst="rect">
@@ -9984,10 +9596,314 @@
           </a:prstGeom>
         </p:spPr>
       </p:pic>
+      <p:sp>
+        <p:nvSpPr>
+          <p:cNvPr id="5" name="TextBox 4"/>
+          <p:cNvSpPr txBox="1"/>
+          <p:nvPr/>
+        </p:nvSpPr>
+        <p:spPr>
+          <a:xfrm>
+            <a:off x="706582" y="324197"/>
+            <a:ext cx="4383426" cy="461665"/>
+          </a:xfrm>
+          <a:prstGeom prst="rect">
+            <a:avLst/>
+          </a:prstGeom>
+          <a:noFill/>
+        </p:spPr>
+        <p:txBody>
+          <a:bodyPr wrap="square" rtlCol="0">
+            <a:spAutoFit/>
+          </a:bodyPr>
+          <a:lstStyle/>
+          <a:p>
+            <a:r>
+              <a:rPr lang="en-US" sz="2400" b="1" dirty="0" smtClean="0">
+                <a:effectLst>
+                  <a:outerShdw blurRad="38100" dist="38100" dir="2700000" algn="tl">
+                    <a:srgbClr val="000000">
+                      <a:alpha val="43137"/>
+                    </a:srgbClr>
+                  </a:outerShdw>
+                </a:effectLst>
+                <a:latin typeface="Times New Roman" panose="02020603050405020304" pitchFamily="18" charset="0"/>
+                <a:cs typeface="Times New Roman" panose="02020603050405020304" pitchFamily="18" charset="0"/>
+              </a:rPr>
+              <a:t>Interesting Facts:</a:t>
+            </a:r>
+            <a:endParaRPr lang="en-US" sz="2400" b="1" dirty="0">
+              <a:effectLst>
+                <a:outerShdw blurRad="38100" dist="38100" dir="2700000" algn="tl">
+                  <a:srgbClr val="000000">
+                    <a:alpha val="43137"/>
+                  </a:srgbClr>
+                </a:outerShdw>
+              </a:effectLst>
+              <a:latin typeface="Times New Roman" panose="02020603050405020304" pitchFamily="18" charset="0"/>
+              <a:cs typeface="Times New Roman" panose="02020603050405020304" pitchFamily="18" charset="0"/>
+            </a:endParaRPr>
+          </a:p>
+        </p:txBody>
+      </p:sp>
+      <p:sp>
+        <p:nvSpPr>
+          <p:cNvPr id="2" name="Rectangle 1"/>
+          <p:cNvSpPr/>
+          <p:nvPr/>
+        </p:nvSpPr>
+        <p:spPr>
+          <a:xfrm>
+            <a:off x="399011" y="1083458"/>
+            <a:ext cx="6533804" cy="2308324"/>
+          </a:xfrm>
+          <a:prstGeom prst="rect">
+            <a:avLst/>
+          </a:prstGeom>
+        </p:spPr>
+        <p:txBody>
+          <a:bodyPr wrap="square">
+            <a:spAutoFit/>
+          </a:bodyPr>
+          <a:lstStyle/>
+          <a:p>
+            <a:pPr marL="285750" indent="-285750">
+              <a:buFont typeface="Arial" panose="020B0604020202020204" pitchFamily="34" charset="0"/>
+              <a:buChar char="•"/>
+            </a:pPr>
+            <a:r>
+              <a:rPr lang="en-US" dirty="0"/>
+              <a:t>Italy is the 5</a:t>
+            </a:r>
+            <a:r>
+              <a:rPr lang="en-US" baseline="30000" dirty="0"/>
+              <a:t>th</a:t>
+            </a:r>
+            <a:r>
+              <a:rPr lang="en-US" dirty="0"/>
+              <a:t> most </a:t>
+            </a:r>
+            <a:r>
+              <a:rPr lang="en-US" dirty="0" smtClean="0"/>
+              <a:t>populous and most visited </a:t>
+            </a:r>
+            <a:r>
+              <a:rPr lang="en-US" dirty="0"/>
+              <a:t>country in </a:t>
+            </a:r>
+            <a:r>
+              <a:rPr lang="en-US" dirty="0" smtClean="0"/>
+              <a:t>Europe.  Italy attracts 46million foreign visitors in a year.</a:t>
+            </a:r>
+          </a:p>
+          <a:p>
+            <a:pPr marL="285750" indent="-285750">
+              <a:buFont typeface="Arial" panose="020B0604020202020204" pitchFamily="34" charset="0"/>
+              <a:buChar char="•"/>
+            </a:pPr>
+            <a:r>
+              <a:rPr lang="en-US" dirty="0" smtClean="0"/>
+              <a:t>Rome the capital city of Italy is around 3000years old.</a:t>
+            </a:r>
+          </a:p>
+          <a:p>
+            <a:pPr marL="285750" indent="-285750">
+              <a:buFont typeface="Arial" panose="020B0604020202020204" pitchFamily="34" charset="0"/>
+              <a:buChar char="•"/>
+            </a:pPr>
+            <a:r>
+              <a:rPr lang="en-US" dirty="0" smtClean="0"/>
+              <a:t>Italy is the birth </a:t>
+            </a:r>
+            <a:r>
+              <a:rPr lang="en-US" dirty="0"/>
+              <a:t>place </a:t>
+            </a:r>
+            <a:r>
+              <a:rPr lang="en-US" dirty="0" smtClean="0"/>
+              <a:t>of most beloved food dish called pizza &amp; </a:t>
+            </a:r>
+            <a:r>
+              <a:rPr lang="en-US" dirty="0"/>
+              <a:t>pasta</a:t>
+            </a:r>
+          </a:p>
+          <a:p>
+            <a:pPr marL="285750" indent="-285750">
+              <a:buFont typeface="Arial" panose="020B0604020202020204" pitchFamily="34" charset="0"/>
+              <a:buChar char="•"/>
+            </a:pPr>
+            <a:r>
+              <a:rPr lang="en-US" dirty="0" smtClean="0"/>
+              <a:t>Sonia Gandhi belonged to Italy.</a:t>
+            </a:r>
+          </a:p>
+          <a:p>
+            <a:pPr marL="285750" indent="-285750">
+              <a:buFont typeface="Arial" panose="020B0604020202020204" pitchFamily="34" charset="0"/>
+              <a:buChar char="•"/>
+            </a:pPr>
+            <a:r>
+              <a:rPr lang="en-US" dirty="0" smtClean="0"/>
+              <a:t>There are in total 14 volcanos, 3 of them Etna, </a:t>
+            </a:r>
+            <a:r>
+              <a:rPr lang="en-US" dirty="0" err="1" smtClean="0"/>
+              <a:t>stromboli</a:t>
+            </a:r>
+            <a:r>
+              <a:rPr lang="en-US" dirty="0"/>
+              <a:t>, </a:t>
+            </a:r>
+            <a:r>
+              <a:rPr lang="en-US" dirty="0" err="1" smtClean="0"/>
+              <a:t>vesuvious</a:t>
+            </a:r>
+            <a:r>
+              <a:rPr lang="en-US" dirty="0" smtClean="0"/>
+              <a:t> are active volcanos </a:t>
+            </a:r>
+          </a:p>
+        </p:txBody>
+      </p:sp>
+      <p:pic>
+        <p:nvPicPr>
+          <p:cNvPr id="6" name="Picture 5"/>
+          <p:cNvPicPr>
+            <a:picLocks noChangeAspect="1"/>
+          </p:cNvPicPr>
+          <p:nvPr/>
+        </p:nvPicPr>
+        <p:blipFill>
+          <a:blip r:embed="rId3"/>
+          <a:stretch>
+            <a:fillRect/>
+          </a:stretch>
+        </p:blipFill>
+        <p:spPr>
+          <a:xfrm>
+            <a:off x="399011" y="3668781"/>
+            <a:ext cx="3084022" cy="2138005"/>
+          </a:xfrm>
+          <a:prstGeom prst="rect">
+            <a:avLst/>
+          </a:prstGeom>
+        </p:spPr>
+      </p:pic>
+      <p:pic>
+        <p:nvPicPr>
+          <p:cNvPr id="7" name="Picture 6"/>
+          <p:cNvPicPr>
+            <a:picLocks noChangeAspect="1"/>
+          </p:cNvPicPr>
+          <p:nvPr/>
+        </p:nvPicPr>
+        <p:blipFill>
+          <a:blip r:embed="rId4"/>
+          <a:stretch>
+            <a:fillRect/>
+          </a:stretch>
+        </p:blipFill>
+        <p:spPr>
+          <a:xfrm>
+            <a:off x="7173884" y="151233"/>
+            <a:ext cx="4814540" cy="2737680"/>
+          </a:xfrm>
+          <a:prstGeom prst="rect">
+            <a:avLst/>
+          </a:prstGeom>
+        </p:spPr>
+      </p:pic>
+      <p:sp>
+        <p:nvSpPr>
+          <p:cNvPr id="8" name="Rectangle 7"/>
+          <p:cNvSpPr/>
+          <p:nvPr/>
+        </p:nvSpPr>
+        <p:spPr>
+          <a:xfrm>
+            <a:off x="5090008" y="3620554"/>
+            <a:ext cx="7021635" cy="2031325"/>
+          </a:xfrm>
+          <a:prstGeom prst="rect">
+            <a:avLst/>
+          </a:prstGeom>
+        </p:spPr>
+        <p:txBody>
+          <a:bodyPr wrap="square">
+            <a:spAutoFit/>
+          </a:bodyPr>
+          <a:lstStyle/>
+          <a:p>
+            <a:pPr marL="285750" indent="-285750">
+              <a:buFont typeface="Arial" panose="020B0604020202020204" pitchFamily="34" charset="0"/>
+              <a:buChar char="•"/>
+            </a:pPr>
+            <a:r>
+              <a:rPr lang="en-US" dirty="0"/>
+              <a:t>Italy's last king ruled for just 36 </a:t>
+            </a:r>
+            <a:r>
+              <a:rPr lang="en-US" dirty="0" smtClean="0"/>
+              <a:t>days</a:t>
+            </a:r>
+          </a:p>
+          <a:p>
+            <a:pPr marL="285750" indent="-285750">
+              <a:buFont typeface="Arial" panose="020B0604020202020204" pitchFamily="34" charset="0"/>
+              <a:buChar char="•"/>
+            </a:pPr>
+            <a:r>
+              <a:rPr lang="en-US" dirty="0" smtClean="0"/>
+              <a:t>Well-known</a:t>
+            </a:r>
+            <a:r>
+              <a:rPr lang="en-US" dirty="0"/>
+              <a:t> artists and authors Dante, Da Vinci, and Michelangelo are from Italy</a:t>
+            </a:r>
+          </a:p>
+          <a:p>
+            <a:pPr marL="285750" indent="-285750">
+              <a:buFont typeface="Arial" panose="020B0604020202020204" pitchFamily="34" charset="0"/>
+              <a:buChar char="•"/>
+            </a:pPr>
+            <a:r>
+              <a:rPr lang="en-US" dirty="0"/>
+              <a:t>In 2012, the town of </a:t>
+            </a:r>
+            <a:r>
+              <a:rPr lang="en-US" dirty="0" err="1"/>
+              <a:t>Falciano</a:t>
+            </a:r>
+            <a:r>
+              <a:rPr lang="en-US" dirty="0"/>
+              <a:t> del </a:t>
+            </a:r>
+            <a:r>
+              <a:rPr lang="en-US" dirty="0" err="1"/>
+              <a:t>Massico</a:t>
+            </a:r>
+            <a:r>
+              <a:rPr lang="en-US" dirty="0"/>
+              <a:t> in Campania it was made illegal for residents to die because it’s town’s cemetery was full.</a:t>
+            </a:r>
+          </a:p>
+          <a:p>
+            <a:pPr marL="285750" indent="-285750">
+              <a:buFont typeface="Arial" panose="020B0604020202020204" pitchFamily="34" charset="0"/>
+              <a:buChar char="•"/>
+            </a:pPr>
+            <a:r>
+              <a:rPr lang="en-US" dirty="0"/>
+              <a:t>World’s most Fashion designers such as Armani, Versace,  Prada, hail from Italy.</a:t>
+            </a:r>
+          </a:p>
+        </p:txBody>
+      </p:sp>
     </p:spTree>
     <p:extLst>
       <p:ext uri="{BB962C8B-B14F-4D97-AF65-F5344CB8AC3E}">
-        <p14:creationId xmlns:p14="http://schemas.microsoft.com/office/powerpoint/2010/main" val="2954705380"/>
+        <p14:creationId xmlns:p14="http://schemas.microsoft.com/office/powerpoint/2010/main" val="260442988"/>
       </p:ext>
     </p:extLst>
   </p:cSld>
@@ -10911,21 +10827,7 @@
                 <a:latin typeface="Times New Roman" panose="02020603050405020304" pitchFamily="18" charset="0"/>
                 <a:cs typeface="Times New Roman" panose="02020603050405020304" pitchFamily="18" charset="0"/>
               </a:rPr>
-              <a:t>Legal </a:t>
-            </a:r>
-            <a:r>
-              <a:rPr lang="en-US" sz="2800" b="1" dirty="0" smtClean="0">
-                <a:effectLst>
-                  <a:outerShdw blurRad="38100" dist="38100" dir="2700000" algn="tl">
-                    <a:srgbClr val="000000">
-                      <a:alpha val="43137"/>
-                    </a:srgbClr>
-                  </a:outerShdw>
-                </a:effectLst>
-                <a:latin typeface="Times New Roman" panose="02020603050405020304" pitchFamily="18" charset="0"/>
-                <a:cs typeface="Times New Roman" panose="02020603050405020304" pitchFamily="18" charset="0"/>
-              </a:rPr>
-              <a:t>aspects:</a:t>
+              <a:t>Legal aspects:</a:t>
             </a:r>
             <a:endParaRPr lang="en-US" sz="2800" b="1" dirty="0">
               <a:effectLst>
@@ -11967,7 +11869,7 @@
         </p:nvSpPr>
         <p:spPr>
           <a:xfrm>
-            <a:off x="2780145" y="3648328"/>
+            <a:off x="3048000" y="3651588"/>
             <a:ext cx="6096000" cy="923330"/>
           </a:xfrm>
           <a:prstGeom prst="rect">
